--- a/文件/文件原始碼/專題海報.pptx
+++ b/文件/文件原始碼/專題海報.pptx
@@ -243,7 +243,7 @@
           <a:p>
             <a:fld id="{DF8642C6-F629-9546-9F33-7BA9CD620078}" type="datetimeFigureOut">
               <a:rPr kumimoji="1" lang="zh-TW" altLang="en-US" smtClean="0"/>
-              <a:t>2024/12/14</a:t>
+              <a:t>2024/12/19</a:t>
             </a:fld>
             <a:endParaRPr kumimoji="1" lang="zh-TW" altLang="en-US"/>
           </a:p>
@@ -413,7 +413,7 @@
           <a:p>
             <a:fld id="{DF8642C6-F629-9546-9F33-7BA9CD620078}" type="datetimeFigureOut">
               <a:rPr kumimoji="1" lang="zh-TW" altLang="en-US" smtClean="0"/>
-              <a:t>2024/12/14</a:t>
+              <a:t>2024/12/19</a:t>
             </a:fld>
             <a:endParaRPr kumimoji="1" lang="zh-TW" altLang="en-US"/>
           </a:p>
@@ -593,7 +593,7 @@
           <a:p>
             <a:fld id="{DF8642C6-F629-9546-9F33-7BA9CD620078}" type="datetimeFigureOut">
               <a:rPr kumimoji="1" lang="zh-TW" altLang="en-US" smtClean="0"/>
-              <a:t>2024/12/14</a:t>
+              <a:t>2024/12/19</a:t>
             </a:fld>
             <a:endParaRPr kumimoji="1" lang="zh-TW" altLang="en-US"/>
           </a:p>
@@ -763,7 +763,7 @@
           <a:p>
             <a:fld id="{DF8642C6-F629-9546-9F33-7BA9CD620078}" type="datetimeFigureOut">
               <a:rPr kumimoji="1" lang="zh-TW" altLang="en-US" smtClean="0"/>
-              <a:t>2024/12/14</a:t>
+              <a:t>2024/12/19</a:t>
             </a:fld>
             <a:endParaRPr kumimoji="1" lang="zh-TW" altLang="en-US"/>
           </a:p>
@@ -1007,7 +1007,7 @@
           <a:p>
             <a:fld id="{DF8642C6-F629-9546-9F33-7BA9CD620078}" type="datetimeFigureOut">
               <a:rPr kumimoji="1" lang="zh-TW" altLang="en-US" smtClean="0"/>
-              <a:t>2024/12/14</a:t>
+              <a:t>2024/12/19</a:t>
             </a:fld>
             <a:endParaRPr kumimoji="1" lang="zh-TW" altLang="en-US"/>
           </a:p>
@@ -1239,7 +1239,7 @@
           <a:p>
             <a:fld id="{DF8642C6-F629-9546-9F33-7BA9CD620078}" type="datetimeFigureOut">
               <a:rPr kumimoji="1" lang="zh-TW" altLang="en-US" smtClean="0"/>
-              <a:t>2024/12/14</a:t>
+              <a:t>2024/12/19</a:t>
             </a:fld>
             <a:endParaRPr kumimoji="1" lang="zh-TW" altLang="en-US"/>
           </a:p>
@@ -1606,7 +1606,7 @@
           <a:p>
             <a:fld id="{DF8642C6-F629-9546-9F33-7BA9CD620078}" type="datetimeFigureOut">
               <a:rPr kumimoji="1" lang="zh-TW" altLang="en-US" smtClean="0"/>
-              <a:t>2024/12/14</a:t>
+              <a:t>2024/12/19</a:t>
             </a:fld>
             <a:endParaRPr kumimoji="1" lang="zh-TW" altLang="en-US"/>
           </a:p>
@@ -1724,7 +1724,7 @@
           <a:p>
             <a:fld id="{DF8642C6-F629-9546-9F33-7BA9CD620078}" type="datetimeFigureOut">
               <a:rPr kumimoji="1" lang="zh-TW" altLang="en-US" smtClean="0"/>
-              <a:t>2024/12/14</a:t>
+              <a:t>2024/12/19</a:t>
             </a:fld>
             <a:endParaRPr kumimoji="1" lang="zh-TW" altLang="en-US"/>
           </a:p>
@@ -1819,7 +1819,7 @@
           <a:p>
             <a:fld id="{DF8642C6-F629-9546-9F33-7BA9CD620078}" type="datetimeFigureOut">
               <a:rPr kumimoji="1" lang="zh-TW" altLang="en-US" smtClean="0"/>
-              <a:t>2024/12/14</a:t>
+              <a:t>2024/12/19</a:t>
             </a:fld>
             <a:endParaRPr kumimoji="1" lang="zh-TW" altLang="en-US"/>
           </a:p>
@@ -2096,7 +2096,7 @@
           <a:p>
             <a:fld id="{DF8642C6-F629-9546-9F33-7BA9CD620078}" type="datetimeFigureOut">
               <a:rPr kumimoji="1" lang="zh-TW" altLang="en-US" smtClean="0"/>
-              <a:t>2024/12/14</a:t>
+              <a:t>2024/12/19</a:t>
             </a:fld>
             <a:endParaRPr kumimoji="1" lang="zh-TW" altLang="en-US"/>
           </a:p>
@@ -2353,7 +2353,7 @@
           <a:p>
             <a:fld id="{DF8642C6-F629-9546-9F33-7BA9CD620078}" type="datetimeFigureOut">
               <a:rPr kumimoji="1" lang="zh-TW" altLang="en-US" smtClean="0"/>
-              <a:t>2024/12/14</a:t>
+              <a:t>2024/12/19</a:t>
             </a:fld>
             <a:endParaRPr kumimoji="1" lang="zh-TW" altLang="en-US"/>
           </a:p>
@@ -2566,7 +2566,7 @@
           <a:p>
             <a:fld id="{DF8642C6-F629-9546-9F33-7BA9CD620078}" type="datetimeFigureOut">
               <a:rPr kumimoji="1" lang="zh-TW" altLang="en-US" smtClean="0"/>
-              <a:t>2024/12/14</a:t>
+              <a:t>2024/12/19</a:t>
             </a:fld>
             <a:endParaRPr kumimoji="1" lang="zh-TW" altLang="en-US"/>
           </a:p>
@@ -3701,12 +3701,151 @@
           </a:prstGeom>
         </p:spPr>
       </p:pic>
+      <p:sp>
+        <p:nvSpPr>
+          <p:cNvPr id="11" name="文字方塊 10">
+            <a:extLst>
+              <a:ext uri="{FF2B5EF4-FFF2-40B4-BE49-F238E27FC236}">
+                <a16:creationId xmlns:a16="http://schemas.microsoft.com/office/drawing/2014/main" id="{CABA5DAD-BDCF-4058-F4E1-E60BCB7722BF}"/>
+              </a:ext>
+            </a:extLst>
+          </p:cNvPr>
+          <p:cNvSpPr txBox="1"/>
+          <p:nvPr/>
+        </p:nvSpPr>
+        <p:spPr>
+          <a:xfrm>
+            <a:off x="9986668" y="24374278"/>
+            <a:ext cx="10878206" cy="1323439"/>
+          </a:xfrm>
+          <a:prstGeom prst="rect">
+            <a:avLst/>
+          </a:prstGeom>
+          <a:noFill/>
+        </p:spPr>
+        <p:txBody>
+          <a:bodyPr wrap="square" rtlCol="0">
+            <a:spAutoFit/>
+          </a:bodyPr>
+          <a:lstStyle/>
+          <a:p>
+            <a:pPr algn="ctr"/>
+            <a:r>
+              <a:rPr kumimoji="1" lang="en-US" altLang="zh-TW" sz="4000" dirty="0">
+                <a:latin typeface="Times New Roman" panose="02020603050405020304" pitchFamily="18" charset="0"/>
+                <a:cs typeface="Times New Roman" panose="02020603050405020304" pitchFamily="18" charset="0"/>
+              </a:rPr>
+              <a:t>Wanna more information ?</a:t>
+            </a:r>
+          </a:p>
+          <a:p>
+            <a:pPr algn="ctr"/>
+            <a:r>
+              <a:rPr kumimoji="1" lang="en-US" altLang="zh-TW" sz="4000" dirty="0">
+                <a:latin typeface="Times New Roman" panose="02020603050405020304" pitchFamily="18" charset="0"/>
+                <a:cs typeface="Times New Roman" panose="02020603050405020304" pitchFamily="18" charset="0"/>
+              </a:rPr>
+              <a:t>Using phone to scanning our official website.</a:t>
+            </a:r>
+            <a:endParaRPr kumimoji="1" lang="zh-TW" altLang="en-US" sz="4000" dirty="0">
+              <a:latin typeface="Times New Roman" panose="02020603050405020304" pitchFamily="18" charset="0"/>
+              <a:cs typeface="Times New Roman" panose="02020603050405020304" pitchFamily="18" charset="0"/>
+            </a:endParaRPr>
+          </a:p>
+        </p:txBody>
+      </p:sp>
+      <p:sp>
+        <p:nvSpPr>
+          <p:cNvPr id="12" name="文字方塊 11">
+            <a:extLst>
+              <a:ext uri="{FF2B5EF4-FFF2-40B4-BE49-F238E27FC236}">
+                <a16:creationId xmlns:a16="http://schemas.microsoft.com/office/drawing/2014/main" id="{E2F6162F-6121-FCAE-AF29-587C4EBC1658}"/>
+              </a:ext>
+            </a:extLst>
+          </p:cNvPr>
+          <p:cNvSpPr txBox="1"/>
+          <p:nvPr/>
+        </p:nvSpPr>
+        <p:spPr>
+          <a:xfrm>
+            <a:off x="4603532" y="12486290"/>
+            <a:ext cx="2333296" cy="707886"/>
+          </a:xfrm>
+          <a:prstGeom prst="rect">
+            <a:avLst/>
+          </a:prstGeom>
+          <a:noFill/>
+        </p:spPr>
+        <p:txBody>
+          <a:bodyPr wrap="square" rtlCol="0">
+            <a:spAutoFit/>
+          </a:bodyPr>
+          <a:lstStyle/>
+          <a:p>
+            <a:pPr algn="ctr"/>
+            <a:r>
+              <a:rPr kumimoji="1" lang="en-US" altLang="zh-TW" sz="4000" dirty="0">
+                <a:latin typeface="Times New Roman" panose="02020603050405020304" pitchFamily="18" charset="0"/>
+                <a:cs typeface="Times New Roman" panose="02020603050405020304" pitchFamily="18" charset="0"/>
+              </a:rPr>
+              <a:t>Exchange</a:t>
+            </a:r>
+            <a:endParaRPr kumimoji="1" lang="zh-TW" altLang="en-US" sz="4000" dirty="0">
+              <a:latin typeface="Times New Roman" panose="02020603050405020304" pitchFamily="18" charset="0"/>
+              <a:cs typeface="Times New Roman" panose="02020603050405020304" pitchFamily="18" charset="0"/>
+            </a:endParaRPr>
+          </a:p>
+        </p:txBody>
+      </p:sp>
+      <p:sp>
+        <p:nvSpPr>
+          <p:cNvPr id="16" name="文字方塊 15">
+            <a:extLst>
+              <a:ext uri="{FF2B5EF4-FFF2-40B4-BE49-F238E27FC236}">
+                <a16:creationId xmlns:a16="http://schemas.microsoft.com/office/drawing/2014/main" id="{ADAB496B-7464-19B9-C970-014AF8AFC280}"/>
+              </a:ext>
+            </a:extLst>
+          </p:cNvPr>
+          <p:cNvSpPr txBox="1"/>
+          <p:nvPr/>
+        </p:nvSpPr>
+        <p:spPr>
+          <a:xfrm>
+            <a:off x="4666593" y="13558345"/>
+            <a:ext cx="2175642" cy="707886"/>
+          </a:xfrm>
+          <a:prstGeom prst="rect">
+            <a:avLst/>
+          </a:prstGeom>
+          <a:noFill/>
+        </p:spPr>
+        <p:txBody>
+          <a:bodyPr wrap="square" rtlCol="0">
+            <a:spAutoFit/>
+          </a:bodyPr>
+          <a:lstStyle/>
+          <a:p>
+            <a:pPr algn="ctr"/>
+            <a:r>
+              <a:rPr kumimoji="1" lang="en-US" altLang="zh-TW" sz="4000" dirty="0">
+                <a:latin typeface="Times New Roman" panose="02020603050405020304" pitchFamily="18" charset="0"/>
+                <a:cs typeface="Times New Roman" panose="02020603050405020304" pitchFamily="18" charset="0"/>
+              </a:rPr>
+              <a:t>Transmit</a:t>
+            </a:r>
+            <a:endParaRPr kumimoji="1" lang="zh-TW" altLang="en-US" sz="4000" dirty="0">
+              <a:latin typeface="Times New Roman" panose="02020603050405020304" pitchFamily="18" charset="0"/>
+              <a:cs typeface="Times New Roman" panose="02020603050405020304" pitchFamily="18" charset="0"/>
+            </a:endParaRPr>
+          </a:p>
+        </p:txBody>
+      </p:sp>
       <p:pic>
         <p:nvPicPr>
-          <p:cNvPr id="6" name="圖片 5">
+          <p:cNvPr id="18" name="圖片 17">
             <a:extLst>
               <a:ext uri="{FF2B5EF4-FFF2-40B4-BE49-F238E27FC236}">
-                <a16:creationId xmlns:a16="http://schemas.microsoft.com/office/drawing/2014/main" id="{C7629836-8C66-433D-F68B-5D72C2F03BC6}"/>
+                <a16:creationId xmlns:a16="http://schemas.microsoft.com/office/drawing/2014/main" id="{263B15EB-A931-3057-C3B0-08697996CCA7}"/>
               </a:ext>
             </a:extLst>
           </p:cNvPr>
@@ -3723,154 +3862,14 @@
         </p:blipFill>
         <p:spPr>
           <a:xfrm>
-            <a:off x="14024510" y="25720078"/>
-            <a:ext cx="2626322" cy="2626322"/>
+            <a:off x="14266575" y="25995047"/>
+            <a:ext cx="2606535" cy="2606535"/>
           </a:xfrm>
           <a:prstGeom prst="rect">
             <a:avLst/>
           </a:prstGeom>
-          <a:effectLst/>
         </p:spPr>
       </p:pic>
-      <p:sp>
-        <p:nvSpPr>
-          <p:cNvPr id="11" name="文字方塊 10">
-            <a:extLst>
-              <a:ext uri="{FF2B5EF4-FFF2-40B4-BE49-F238E27FC236}">
-                <a16:creationId xmlns:a16="http://schemas.microsoft.com/office/drawing/2014/main" id="{CABA5DAD-BDCF-4058-F4E1-E60BCB7722BF}"/>
-              </a:ext>
-            </a:extLst>
-          </p:cNvPr>
-          <p:cNvSpPr txBox="1"/>
-          <p:nvPr/>
-        </p:nvSpPr>
-        <p:spPr>
-          <a:xfrm>
-            <a:off x="9986668" y="24374278"/>
-            <a:ext cx="10878206" cy="1323439"/>
-          </a:xfrm>
-          <a:prstGeom prst="rect">
-            <a:avLst/>
-          </a:prstGeom>
-          <a:noFill/>
-        </p:spPr>
-        <p:txBody>
-          <a:bodyPr wrap="square" rtlCol="0">
-            <a:spAutoFit/>
-          </a:bodyPr>
-          <a:lstStyle/>
-          <a:p>
-            <a:pPr algn="ctr"/>
-            <a:r>
-              <a:rPr kumimoji="1" lang="en-US" altLang="zh-TW" sz="4000" dirty="0">
-                <a:latin typeface="Times New Roman" panose="02020603050405020304" pitchFamily="18" charset="0"/>
-                <a:cs typeface="Times New Roman" panose="02020603050405020304" pitchFamily="18" charset="0"/>
-              </a:rPr>
-              <a:t>Wanna more information ?</a:t>
-            </a:r>
-          </a:p>
-          <a:p>
-            <a:pPr algn="ctr"/>
-            <a:r>
-              <a:rPr kumimoji="1" lang="en-US" altLang="zh-TW" sz="4000" dirty="0">
-                <a:latin typeface="Times New Roman" panose="02020603050405020304" pitchFamily="18" charset="0"/>
-                <a:cs typeface="Times New Roman" panose="02020603050405020304" pitchFamily="18" charset="0"/>
-              </a:rPr>
-              <a:t>Using phone to scanning our official website.</a:t>
-            </a:r>
-            <a:endParaRPr kumimoji="1" lang="zh-TW" altLang="en-US" sz="4000" dirty="0">
-              <a:latin typeface="Times New Roman" panose="02020603050405020304" pitchFamily="18" charset="0"/>
-              <a:cs typeface="Times New Roman" panose="02020603050405020304" pitchFamily="18" charset="0"/>
-            </a:endParaRPr>
-          </a:p>
-        </p:txBody>
-      </p:sp>
-      <p:sp>
-        <p:nvSpPr>
-          <p:cNvPr id="12" name="文字方塊 11">
-            <a:extLst>
-              <a:ext uri="{FF2B5EF4-FFF2-40B4-BE49-F238E27FC236}">
-                <a16:creationId xmlns:a16="http://schemas.microsoft.com/office/drawing/2014/main" id="{E2F6162F-6121-FCAE-AF29-587C4EBC1658}"/>
-              </a:ext>
-            </a:extLst>
-          </p:cNvPr>
-          <p:cNvSpPr txBox="1"/>
-          <p:nvPr/>
-        </p:nvSpPr>
-        <p:spPr>
-          <a:xfrm>
-            <a:off x="4603532" y="12486290"/>
-            <a:ext cx="2333296" cy="707886"/>
-          </a:xfrm>
-          <a:prstGeom prst="rect">
-            <a:avLst/>
-          </a:prstGeom>
-          <a:noFill/>
-        </p:spPr>
-        <p:txBody>
-          <a:bodyPr wrap="square" rtlCol="0">
-            <a:spAutoFit/>
-          </a:bodyPr>
-          <a:lstStyle/>
-          <a:p>
-            <a:pPr algn="ctr"/>
-            <a:r>
-              <a:rPr kumimoji="1" lang="en-US" altLang="zh-TW" sz="4000" dirty="0">
-                <a:latin typeface="Times New Roman" panose="02020603050405020304" pitchFamily="18" charset="0"/>
-                <a:cs typeface="Times New Roman" panose="02020603050405020304" pitchFamily="18" charset="0"/>
-              </a:rPr>
-              <a:t>Exchange</a:t>
-            </a:r>
-            <a:endParaRPr kumimoji="1" lang="zh-TW" altLang="en-US" sz="4000" dirty="0">
-              <a:latin typeface="Times New Roman" panose="02020603050405020304" pitchFamily="18" charset="0"/>
-              <a:cs typeface="Times New Roman" panose="02020603050405020304" pitchFamily="18" charset="0"/>
-            </a:endParaRPr>
-          </a:p>
-        </p:txBody>
-      </p:sp>
-      <p:sp>
-        <p:nvSpPr>
-          <p:cNvPr id="16" name="文字方塊 15">
-            <a:extLst>
-              <a:ext uri="{FF2B5EF4-FFF2-40B4-BE49-F238E27FC236}">
-                <a16:creationId xmlns:a16="http://schemas.microsoft.com/office/drawing/2014/main" id="{ADAB496B-7464-19B9-C970-014AF8AFC280}"/>
-              </a:ext>
-            </a:extLst>
-          </p:cNvPr>
-          <p:cNvSpPr txBox="1"/>
-          <p:nvPr/>
-        </p:nvSpPr>
-        <p:spPr>
-          <a:xfrm>
-            <a:off x="4666593" y="13558345"/>
-            <a:ext cx="2175642" cy="707886"/>
-          </a:xfrm>
-          <a:prstGeom prst="rect">
-            <a:avLst/>
-          </a:prstGeom>
-          <a:noFill/>
-        </p:spPr>
-        <p:txBody>
-          <a:bodyPr wrap="square" rtlCol="0">
-            <a:spAutoFit/>
-          </a:bodyPr>
-          <a:lstStyle/>
-          <a:p>
-            <a:pPr algn="ctr"/>
-            <a:r>
-              <a:rPr kumimoji="1" lang="en-US" altLang="zh-TW" sz="4000" dirty="0">
-                <a:latin typeface="Times New Roman" panose="02020603050405020304" pitchFamily="18" charset="0"/>
-                <a:cs typeface="Times New Roman" panose="02020603050405020304" pitchFamily="18" charset="0"/>
-              </a:rPr>
-              <a:t>Transmit</a:t>
-            </a:r>
-            <a:endParaRPr kumimoji="1" lang="zh-TW" altLang="en-US" sz="4000" dirty="0">
-              <a:latin typeface="Times New Roman" panose="02020603050405020304" pitchFamily="18" charset="0"/>
-              <a:cs typeface="Times New Roman" panose="02020603050405020304" pitchFamily="18" charset="0"/>
-            </a:endParaRPr>
-          </a:p>
-        </p:txBody>
-      </p:sp>
     </p:spTree>
     <p:extLst>
       <p:ext uri="{BB962C8B-B14F-4D97-AF65-F5344CB8AC3E}">

--- a/文件/文件原始碼/專題海報.pptx
+++ b/文件/文件原始碼/專題海報.pptx
@@ -243,7 +243,7 @@
           <a:p>
             <a:fld id="{DF8642C6-F629-9546-9F33-7BA9CD620078}" type="datetimeFigureOut">
               <a:rPr kumimoji="1" lang="zh-TW" altLang="en-US" smtClean="0"/>
-              <a:t>2024/12/19</a:t>
+              <a:t>2025/1/15</a:t>
             </a:fld>
             <a:endParaRPr kumimoji="1" lang="zh-TW" altLang="en-US"/>
           </a:p>
@@ -413,7 +413,7 @@
           <a:p>
             <a:fld id="{DF8642C6-F629-9546-9F33-7BA9CD620078}" type="datetimeFigureOut">
               <a:rPr kumimoji="1" lang="zh-TW" altLang="en-US" smtClean="0"/>
-              <a:t>2024/12/19</a:t>
+              <a:t>2025/1/15</a:t>
             </a:fld>
             <a:endParaRPr kumimoji="1" lang="zh-TW" altLang="en-US"/>
           </a:p>
@@ -593,7 +593,7 @@
           <a:p>
             <a:fld id="{DF8642C6-F629-9546-9F33-7BA9CD620078}" type="datetimeFigureOut">
               <a:rPr kumimoji="1" lang="zh-TW" altLang="en-US" smtClean="0"/>
-              <a:t>2024/12/19</a:t>
+              <a:t>2025/1/15</a:t>
             </a:fld>
             <a:endParaRPr kumimoji="1" lang="zh-TW" altLang="en-US"/>
           </a:p>
@@ -763,7 +763,7 @@
           <a:p>
             <a:fld id="{DF8642C6-F629-9546-9F33-7BA9CD620078}" type="datetimeFigureOut">
               <a:rPr kumimoji="1" lang="zh-TW" altLang="en-US" smtClean="0"/>
-              <a:t>2024/12/19</a:t>
+              <a:t>2025/1/15</a:t>
             </a:fld>
             <a:endParaRPr kumimoji="1" lang="zh-TW" altLang="en-US"/>
           </a:p>
@@ -1007,7 +1007,7 @@
           <a:p>
             <a:fld id="{DF8642C6-F629-9546-9F33-7BA9CD620078}" type="datetimeFigureOut">
               <a:rPr kumimoji="1" lang="zh-TW" altLang="en-US" smtClean="0"/>
-              <a:t>2024/12/19</a:t>
+              <a:t>2025/1/15</a:t>
             </a:fld>
             <a:endParaRPr kumimoji="1" lang="zh-TW" altLang="en-US"/>
           </a:p>
@@ -1239,7 +1239,7 @@
           <a:p>
             <a:fld id="{DF8642C6-F629-9546-9F33-7BA9CD620078}" type="datetimeFigureOut">
               <a:rPr kumimoji="1" lang="zh-TW" altLang="en-US" smtClean="0"/>
-              <a:t>2024/12/19</a:t>
+              <a:t>2025/1/15</a:t>
             </a:fld>
             <a:endParaRPr kumimoji="1" lang="zh-TW" altLang="en-US"/>
           </a:p>
@@ -1606,7 +1606,7 @@
           <a:p>
             <a:fld id="{DF8642C6-F629-9546-9F33-7BA9CD620078}" type="datetimeFigureOut">
               <a:rPr kumimoji="1" lang="zh-TW" altLang="en-US" smtClean="0"/>
-              <a:t>2024/12/19</a:t>
+              <a:t>2025/1/15</a:t>
             </a:fld>
             <a:endParaRPr kumimoji="1" lang="zh-TW" altLang="en-US"/>
           </a:p>
@@ -1724,7 +1724,7 @@
           <a:p>
             <a:fld id="{DF8642C6-F629-9546-9F33-7BA9CD620078}" type="datetimeFigureOut">
               <a:rPr kumimoji="1" lang="zh-TW" altLang="en-US" smtClean="0"/>
-              <a:t>2024/12/19</a:t>
+              <a:t>2025/1/15</a:t>
             </a:fld>
             <a:endParaRPr kumimoji="1" lang="zh-TW" altLang="en-US"/>
           </a:p>
@@ -1819,7 +1819,7 @@
           <a:p>
             <a:fld id="{DF8642C6-F629-9546-9F33-7BA9CD620078}" type="datetimeFigureOut">
               <a:rPr kumimoji="1" lang="zh-TW" altLang="en-US" smtClean="0"/>
-              <a:t>2024/12/19</a:t>
+              <a:t>2025/1/15</a:t>
             </a:fld>
             <a:endParaRPr kumimoji="1" lang="zh-TW" altLang="en-US"/>
           </a:p>
@@ -2096,7 +2096,7 @@
           <a:p>
             <a:fld id="{DF8642C6-F629-9546-9F33-7BA9CD620078}" type="datetimeFigureOut">
               <a:rPr kumimoji="1" lang="zh-TW" altLang="en-US" smtClean="0"/>
-              <a:t>2024/12/19</a:t>
+              <a:t>2025/1/15</a:t>
             </a:fld>
             <a:endParaRPr kumimoji="1" lang="zh-TW" altLang="en-US"/>
           </a:p>
@@ -2353,7 +2353,7 @@
           <a:p>
             <a:fld id="{DF8642C6-F629-9546-9F33-7BA9CD620078}" type="datetimeFigureOut">
               <a:rPr kumimoji="1" lang="zh-TW" altLang="en-US" smtClean="0"/>
-              <a:t>2024/12/19</a:t>
+              <a:t>2025/1/15</a:t>
             </a:fld>
             <a:endParaRPr kumimoji="1" lang="zh-TW" altLang="en-US"/>
           </a:p>
@@ -2566,7 +2566,7 @@
           <a:p>
             <a:fld id="{DF8642C6-F629-9546-9F33-7BA9CD620078}" type="datetimeFigureOut">
               <a:rPr kumimoji="1" lang="zh-TW" altLang="en-US" smtClean="0"/>
-              <a:t>2024/12/19</a:t>
+              <a:t>2025/1/15</a:t>
             </a:fld>
             <a:endParaRPr kumimoji="1" lang="zh-TW" altLang="en-US"/>
           </a:p>
@@ -3643,10 +3643,10 @@
       </p:sp>
       <p:pic>
         <p:nvPicPr>
-          <p:cNvPr id="3" name="圖片 2">
+          <p:cNvPr id="5" name="圖片 4">
             <a:extLst>
               <a:ext uri="{FF2B5EF4-FFF2-40B4-BE49-F238E27FC236}">
-                <a16:creationId xmlns:a16="http://schemas.microsoft.com/office/drawing/2014/main" id="{4E85315C-FFB1-5526-2F15-11785966B1AA}"/>
+                <a16:creationId xmlns:a16="http://schemas.microsoft.com/office/drawing/2014/main" id="{F40ABE18-8DBC-A59F-5091-55571119A85A}"/>
               </a:ext>
             </a:extLst>
           </p:cNvPr>
@@ -3663,20 +3663,159 @@
         </p:blipFill>
         <p:spPr>
           <a:xfrm>
-            <a:off x="10976207" y="7534083"/>
-            <a:ext cx="9857439" cy="3684784"/>
+            <a:off x="1606775" y="19469212"/>
+            <a:ext cx="8712881" cy="8857693"/>
           </a:xfrm>
           <a:prstGeom prst="rect">
             <a:avLst/>
           </a:prstGeom>
         </p:spPr>
       </p:pic>
+      <p:sp>
+        <p:nvSpPr>
+          <p:cNvPr id="11" name="文字方塊 10">
+            <a:extLst>
+              <a:ext uri="{FF2B5EF4-FFF2-40B4-BE49-F238E27FC236}">
+                <a16:creationId xmlns:a16="http://schemas.microsoft.com/office/drawing/2014/main" id="{CABA5DAD-BDCF-4058-F4E1-E60BCB7722BF}"/>
+              </a:ext>
+            </a:extLst>
+          </p:cNvPr>
+          <p:cNvSpPr txBox="1"/>
+          <p:nvPr/>
+        </p:nvSpPr>
+        <p:spPr>
+          <a:xfrm>
+            <a:off x="9986668" y="24374278"/>
+            <a:ext cx="10878206" cy="1323439"/>
+          </a:xfrm>
+          <a:prstGeom prst="rect">
+            <a:avLst/>
+          </a:prstGeom>
+          <a:noFill/>
+        </p:spPr>
+        <p:txBody>
+          <a:bodyPr wrap="square" rtlCol="0">
+            <a:spAutoFit/>
+          </a:bodyPr>
+          <a:lstStyle/>
+          <a:p>
+            <a:pPr algn="ctr"/>
+            <a:r>
+              <a:rPr kumimoji="1" lang="en-US" altLang="zh-TW" sz="4000" dirty="0">
+                <a:latin typeface="Times New Roman" panose="02020603050405020304" pitchFamily="18" charset="0"/>
+                <a:cs typeface="Times New Roman" panose="02020603050405020304" pitchFamily="18" charset="0"/>
+              </a:rPr>
+              <a:t>Wanna more information ?</a:t>
+            </a:r>
+          </a:p>
+          <a:p>
+            <a:pPr algn="ctr"/>
+            <a:r>
+              <a:rPr kumimoji="1" lang="en-US" altLang="zh-TW" sz="4000" dirty="0">
+                <a:latin typeface="Times New Roman" panose="02020603050405020304" pitchFamily="18" charset="0"/>
+                <a:cs typeface="Times New Roman" panose="02020603050405020304" pitchFamily="18" charset="0"/>
+              </a:rPr>
+              <a:t>Using phone to scanning our official website.</a:t>
+            </a:r>
+            <a:endParaRPr kumimoji="1" lang="zh-TW" altLang="en-US" sz="4000" dirty="0">
+              <a:latin typeface="Times New Roman" panose="02020603050405020304" pitchFamily="18" charset="0"/>
+              <a:cs typeface="Times New Roman" panose="02020603050405020304" pitchFamily="18" charset="0"/>
+            </a:endParaRPr>
+          </a:p>
+        </p:txBody>
+      </p:sp>
+      <p:sp>
+        <p:nvSpPr>
+          <p:cNvPr id="12" name="文字方塊 11">
+            <a:extLst>
+              <a:ext uri="{FF2B5EF4-FFF2-40B4-BE49-F238E27FC236}">
+                <a16:creationId xmlns:a16="http://schemas.microsoft.com/office/drawing/2014/main" id="{E2F6162F-6121-FCAE-AF29-587C4EBC1658}"/>
+              </a:ext>
+            </a:extLst>
+          </p:cNvPr>
+          <p:cNvSpPr txBox="1"/>
+          <p:nvPr/>
+        </p:nvSpPr>
+        <p:spPr>
+          <a:xfrm>
+            <a:off x="4603532" y="12486290"/>
+            <a:ext cx="2333296" cy="707886"/>
+          </a:xfrm>
+          <a:prstGeom prst="rect">
+            <a:avLst/>
+          </a:prstGeom>
+          <a:noFill/>
+        </p:spPr>
+        <p:txBody>
+          <a:bodyPr wrap="square" rtlCol="0">
+            <a:spAutoFit/>
+          </a:bodyPr>
+          <a:lstStyle/>
+          <a:p>
+            <a:pPr algn="ctr"/>
+            <a:r>
+              <a:rPr kumimoji="1" lang="en-US" altLang="zh-TW" sz="4000" dirty="0">
+                <a:latin typeface="Times New Roman" panose="02020603050405020304" pitchFamily="18" charset="0"/>
+                <a:cs typeface="Times New Roman" panose="02020603050405020304" pitchFamily="18" charset="0"/>
+              </a:rPr>
+              <a:t>Exchange</a:t>
+            </a:r>
+            <a:endParaRPr kumimoji="1" lang="zh-TW" altLang="en-US" sz="4000" dirty="0">
+              <a:latin typeface="Times New Roman" panose="02020603050405020304" pitchFamily="18" charset="0"/>
+              <a:cs typeface="Times New Roman" panose="02020603050405020304" pitchFamily="18" charset="0"/>
+            </a:endParaRPr>
+          </a:p>
+        </p:txBody>
+      </p:sp>
+      <p:sp>
+        <p:nvSpPr>
+          <p:cNvPr id="16" name="文字方塊 15">
+            <a:extLst>
+              <a:ext uri="{FF2B5EF4-FFF2-40B4-BE49-F238E27FC236}">
+                <a16:creationId xmlns:a16="http://schemas.microsoft.com/office/drawing/2014/main" id="{ADAB496B-7464-19B9-C970-014AF8AFC280}"/>
+              </a:ext>
+            </a:extLst>
+          </p:cNvPr>
+          <p:cNvSpPr txBox="1"/>
+          <p:nvPr/>
+        </p:nvSpPr>
+        <p:spPr>
+          <a:xfrm>
+            <a:off x="4666593" y="13558345"/>
+            <a:ext cx="2175642" cy="707886"/>
+          </a:xfrm>
+          <a:prstGeom prst="rect">
+            <a:avLst/>
+          </a:prstGeom>
+          <a:noFill/>
+        </p:spPr>
+        <p:txBody>
+          <a:bodyPr wrap="square" rtlCol="0">
+            <a:spAutoFit/>
+          </a:bodyPr>
+          <a:lstStyle/>
+          <a:p>
+            <a:pPr algn="ctr"/>
+            <a:r>
+              <a:rPr kumimoji="1" lang="en-US" altLang="zh-TW" sz="4000" dirty="0">
+                <a:latin typeface="Times New Roman" panose="02020603050405020304" pitchFamily="18" charset="0"/>
+                <a:cs typeface="Times New Roman" panose="02020603050405020304" pitchFamily="18" charset="0"/>
+              </a:rPr>
+              <a:t>Transmit</a:t>
+            </a:r>
+            <a:endParaRPr kumimoji="1" lang="zh-TW" altLang="en-US" sz="4000" dirty="0">
+              <a:latin typeface="Times New Roman" panose="02020603050405020304" pitchFamily="18" charset="0"/>
+              <a:cs typeface="Times New Roman" panose="02020603050405020304" pitchFamily="18" charset="0"/>
+            </a:endParaRPr>
+          </a:p>
+        </p:txBody>
+      </p:sp>
       <p:pic>
         <p:nvPicPr>
-          <p:cNvPr id="5" name="圖片 4">
+          <p:cNvPr id="18" name="圖片 17">
             <a:extLst>
               <a:ext uri="{FF2B5EF4-FFF2-40B4-BE49-F238E27FC236}">
-                <a16:creationId xmlns:a16="http://schemas.microsoft.com/office/drawing/2014/main" id="{F40ABE18-8DBC-A59F-5091-55571119A85A}"/>
+                <a16:creationId xmlns:a16="http://schemas.microsoft.com/office/drawing/2014/main" id="{263B15EB-A931-3057-C3B0-08697996CCA7}"/>
               </a:ext>
             </a:extLst>
           </p:cNvPr>
@@ -3693,177 +3832,38 @@
         </p:blipFill>
         <p:spPr>
           <a:xfrm>
-            <a:off x="1606775" y="19469212"/>
-            <a:ext cx="8712881" cy="8857693"/>
+            <a:off x="14266575" y="25995047"/>
+            <a:ext cx="2606535" cy="2606535"/>
           </a:xfrm>
           <a:prstGeom prst="rect">
             <a:avLst/>
           </a:prstGeom>
         </p:spPr>
       </p:pic>
-      <p:sp>
-        <p:nvSpPr>
-          <p:cNvPr id="11" name="文字方塊 10">
-            <a:extLst>
-              <a:ext uri="{FF2B5EF4-FFF2-40B4-BE49-F238E27FC236}">
-                <a16:creationId xmlns:a16="http://schemas.microsoft.com/office/drawing/2014/main" id="{CABA5DAD-BDCF-4058-F4E1-E60BCB7722BF}"/>
-              </a:ext>
-            </a:extLst>
-          </p:cNvPr>
-          <p:cNvSpPr txBox="1"/>
-          <p:nvPr/>
-        </p:nvSpPr>
-        <p:spPr>
-          <a:xfrm>
-            <a:off x="9986668" y="24374278"/>
-            <a:ext cx="10878206" cy="1323439"/>
-          </a:xfrm>
-          <a:prstGeom prst="rect">
-            <a:avLst/>
-          </a:prstGeom>
-          <a:noFill/>
-        </p:spPr>
-        <p:txBody>
-          <a:bodyPr wrap="square" rtlCol="0">
-            <a:spAutoFit/>
-          </a:bodyPr>
-          <a:lstStyle/>
-          <a:p>
-            <a:pPr algn="ctr"/>
-            <a:r>
-              <a:rPr kumimoji="1" lang="en-US" altLang="zh-TW" sz="4000" dirty="0">
-                <a:latin typeface="Times New Roman" panose="02020603050405020304" pitchFamily="18" charset="0"/>
-                <a:cs typeface="Times New Roman" panose="02020603050405020304" pitchFamily="18" charset="0"/>
-              </a:rPr>
-              <a:t>Wanna more information ?</a:t>
-            </a:r>
-          </a:p>
-          <a:p>
-            <a:pPr algn="ctr"/>
-            <a:r>
-              <a:rPr kumimoji="1" lang="en-US" altLang="zh-TW" sz="4000" dirty="0">
-                <a:latin typeface="Times New Roman" panose="02020603050405020304" pitchFamily="18" charset="0"/>
-                <a:cs typeface="Times New Roman" panose="02020603050405020304" pitchFamily="18" charset="0"/>
-              </a:rPr>
-              <a:t>Using phone to scanning our official website.</a:t>
-            </a:r>
-            <a:endParaRPr kumimoji="1" lang="zh-TW" altLang="en-US" sz="4000" dirty="0">
-              <a:latin typeface="Times New Roman" panose="02020603050405020304" pitchFamily="18" charset="0"/>
-              <a:cs typeface="Times New Roman" panose="02020603050405020304" pitchFamily="18" charset="0"/>
-            </a:endParaRPr>
-          </a:p>
-        </p:txBody>
-      </p:sp>
-      <p:sp>
-        <p:nvSpPr>
-          <p:cNvPr id="12" name="文字方塊 11">
-            <a:extLst>
-              <a:ext uri="{FF2B5EF4-FFF2-40B4-BE49-F238E27FC236}">
-                <a16:creationId xmlns:a16="http://schemas.microsoft.com/office/drawing/2014/main" id="{E2F6162F-6121-FCAE-AF29-587C4EBC1658}"/>
-              </a:ext>
-            </a:extLst>
-          </p:cNvPr>
-          <p:cNvSpPr txBox="1"/>
-          <p:nvPr/>
-        </p:nvSpPr>
-        <p:spPr>
-          <a:xfrm>
-            <a:off x="4603532" y="12486290"/>
-            <a:ext cx="2333296" cy="707886"/>
-          </a:xfrm>
-          <a:prstGeom prst="rect">
-            <a:avLst/>
-          </a:prstGeom>
-          <a:noFill/>
-        </p:spPr>
-        <p:txBody>
-          <a:bodyPr wrap="square" rtlCol="0">
-            <a:spAutoFit/>
-          </a:bodyPr>
-          <a:lstStyle/>
-          <a:p>
-            <a:pPr algn="ctr"/>
-            <a:r>
-              <a:rPr kumimoji="1" lang="en-US" altLang="zh-TW" sz="4000" dirty="0">
-                <a:latin typeface="Times New Roman" panose="02020603050405020304" pitchFamily="18" charset="0"/>
-                <a:cs typeface="Times New Roman" panose="02020603050405020304" pitchFamily="18" charset="0"/>
-              </a:rPr>
-              <a:t>Exchange</a:t>
-            </a:r>
-            <a:endParaRPr kumimoji="1" lang="zh-TW" altLang="en-US" sz="4000" dirty="0">
-              <a:latin typeface="Times New Roman" panose="02020603050405020304" pitchFamily="18" charset="0"/>
-              <a:cs typeface="Times New Roman" panose="02020603050405020304" pitchFamily="18" charset="0"/>
-            </a:endParaRPr>
-          </a:p>
-        </p:txBody>
-      </p:sp>
-      <p:sp>
-        <p:nvSpPr>
-          <p:cNvPr id="16" name="文字方塊 15">
-            <a:extLst>
-              <a:ext uri="{FF2B5EF4-FFF2-40B4-BE49-F238E27FC236}">
-                <a16:creationId xmlns:a16="http://schemas.microsoft.com/office/drawing/2014/main" id="{ADAB496B-7464-19B9-C970-014AF8AFC280}"/>
-              </a:ext>
-            </a:extLst>
-          </p:cNvPr>
-          <p:cNvSpPr txBox="1"/>
-          <p:nvPr/>
-        </p:nvSpPr>
-        <p:spPr>
-          <a:xfrm>
-            <a:off x="4666593" y="13558345"/>
-            <a:ext cx="2175642" cy="707886"/>
-          </a:xfrm>
-          <a:prstGeom prst="rect">
-            <a:avLst/>
-          </a:prstGeom>
-          <a:noFill/>
-        </p:spPr>
-        <p:txBody>
-          <a:bodyPr wrap="square" rtlCol="0">
-            <a:spAutoFit/>
-          </a:bodyPr>
-          <a:lstStyle/>
-          <a:p>
-            <a:pPr algn="ctr"/>
-            <a:r>
-              <a:rPr kumimoji="1" lang="en-US" altLang="zh-TW" sz="4000" dirty="0">
-                <a:latin typeface="Times New Roman" panose="02020603050405020304" pitchFamily="18" charset="0"/>
-                <a:cs typeface="Times New Roman" panose="02020603050405020304" pitchFamily="18" charset="0"/>
-              </a:rPr>
-              <a:t>Transmit</a:t>
-            </a:r>
-            <a:endParaRPr kumimoji="1" lang="zh-TW" altLang="en-US" sz="4000" dirty="0">
-              <a:latin typeface="Times New Roman" panose="02020603050405020304" pitchFamily="18" charset="0"/>
-              <a:cs typeface="Times New Roman" panose="02020603050405020304" pitchFamily="18" charset="0"/>
-            </a:endParaRPr>
-          </a:p>
-        </p:txBody>
-      </p:sp>
       <p:pic>
         <p:nvPicPr>
-          <p:cNvPr id="18" name="圖片 17">
-            <a:extLst>
-              <a:ext uri="{FF2B5EF4-FFF2-40B4-BE49-F238E27FC236}">
-                <a16:creationId xmlns:a16="http://schemas.microsoft.com/office/drawing/2014/main" id="{263B15EB-A931-3057-C3B0-08697996CCA7}"/>
-              </a:ext>
-            </a:extLst>
-          </p:cNvPr>
+          <p:cNvPr id="2" name="圖片 1"/>
           <p:cNvPicPr>
             <a:picLocks noChangeAspect="1"/>
           </p:cNvPicPr>
           <p:nvPr/>
         </p:nvPicPr>
         <p:blipFill>
-          <a:blip r:embed="rId4"/>
+          <a:blip r:embed="rId4">
+            <a:extLst>
+              <a:ext uri="{28A0092B-C50C-407E-A947-70E740481C1C}">
+                <a14:useLocalDpi xmlns:a14="http://schemas.microsoft.com/office/drawing/2010/main" val="0"/>
+              </a:ext>
+            </a:extLst>
+          </a:blip>
           <a:stretch>
             <a:fillRect/>
           </a:stretch>
         </p:blipFill>
         <p:spPr>
           <a:xfrm>
-            <a:off x="14266575" y="25995047"/>
-            <a:ext cx="2606535" cy="2606535"/>
+            <a:off x="10943677" y="6711868"/>
+            <a:ext cx="10058400" cy="3759905"/>
           </a:xfrm>
           <a:prstGeom prst="rect">
             <a:avLst/>

--- a/文件/文件原始碼/專題海報.pptx
+++ b/文件/文件原始碼/專題海報.pptx
@@ -3842,7 +3842,7 @@
       </p:pic>
       <p:pic>
         <p:nvPicPr>
-          <p:cNvPr id="2" name="圖片 1"/>
+          <p:cNvPr id="6" name="圖片 5"/>
           <p:cNvPicPr>
             <a:picLocks noChangeAspect="1"/>
           </p:cNvPicPr>
@@ -3863,7 +3863,7 @@
         <p:spPr>
           <a:xfrm>
             <a:off x="10943677" y="6711868"/>
-            <a:ext cx="10058400" cy="3759905"/>
+            <a:ext cx="10058400" cy="4023360"/>
           </a:xfrm>
           <a:prstGeom prst="rect">
             <a:avLst/>

--- a/文件/文件原始碼/專題海報.pptx
+++ b/文件/文件原始碼/專題海報.pptx
@@ -243,7 +243,7 @@
           <a:p>
             <a:fld id="{DF8642C6-F629-9546-9F33-7BA9CD620078}" type="datetimeFigureOut">
               <a:rPr kumimoji="1" lang="zh-TW" altLang="en-US" smtClean="0"/>
-              <a:t>2025/1/15</a:t>
+              <a:t>2025/1/16</a:t>
             </a:fld>
             <a:endParaRPr kumimoji="1" lang="zh-TW" altLang="en-US"/>
           </a:p>
@@ -413,7 +413,7 @@
           <a:p>
             <a:fld id="{DF8642C6-F629-9546-9F33-7BA9CD620078}" type="datetimeFigureOut">
               <a:rPr kumimoji="1" lang="zh-TW" altLang="en-US" smtClean="0"/>
-              <a:t>2025/1/15</a:t>
+              <a:t>2025/1/16</a:t>
             </a:fld>
             <a:endParaRPr kumimoji="1" lang="zh-TW" altLang="en-US"/>
           </a:p>
@@ -593,7 +593,7 @@
           <a:p>
             <a:fld id="{DF8642C6-F629-9546-9F33-7BA9CD620078}" type="datetimeFigureOut">
               <a:rPr kumimoji="1" lang="zh-TW" altLang="en-US" smtClean="0"/>
-              <a:t>2025/1/15</a:t>
+              <a:t>2025/1/16</a:t>
             </a:fld>
             <a:endParaRPr kumimoji="1" lang="zh-TW" altLang="en-US"/>
           </a:p>
@@ -763,7 +763,7 @@
           <a:p>
             <a:fld id="{DF8642C6-F629-9546-9F33-7BA9CD620078}" type="datetimeFigureOut">
               <a:rPr kumimoji="1" lang="zh-TW" altLang="en-US" smtClean="0"/>
-              <a:t>2025/1/15</a:t>
+              <a:t>2025/1/16</a:t>
             </a:fld>
             <a:endParaRPr kumimoji="1" lang="zh-TW" altLang="en-US"/>
           </a:p>
@@ -1007,7 +1007,7 @@
           <a:p>
             <a:fld id="{DF8642C6-F629-9546-9F33-7BA9CD620078}" type="datetimeFigureOut">
               <a:rPr kumimoji="1" lang="zh-TW" altLang="en-US" smtClean="0"/>
-              <a:t>2025/1/15</a:t>
+              <a:t>2025/1/16</a:t>
             </a:fld>
             <a:endParaRPr kumimoji="1" lang="zh-TW" altLang="en-US"/>
           </a:p>
@@ -1239,7 +1239,7 @@
           <a:p>
             <a:fld id="{DF8642C6-F629-9546-9F33-7BA9CD620078}" type="datetimeFigureOut">
               <a:rPr kumimoji="1" lang="zh-TW" altLang="en-US" smtClean="0"/>
-              <a:t>2025/1/15</a:t>
+              <a:t>2025/1/16</a:t>
             </a:fld>
             <a:endParaRPr kumimoji="1" lang="zh-TW" altLang="en-US"/>
           </a:p>
@@ -1606,7 +1606,7 @@
           <a:p>
             <a:fld id="{DF8642C6-F629-9546-9F33-7BA9CD620078}" type="datetimeFigureOut">
               <a:rPr kumimoji="1" lang="zh-TW" altLang="en-US" smtClean="0"/>
-              <a:t>2025/1/15</a:t>
+              <a:t>2025/1/16</a:t>
             </a:fld>
             <a:endParaRPr kumimoji="1" lang="zh-TW" altLang="en-US"/>
           </a:p>
@@ -1724,7 +1724,7 @@
           <a:p>
             <a:fld id="{DF8642C6-F629-9546-9F33-7BA9CD620078}" type="datetimeFigureOut">
               <a:rPr kumimoji="1" lang="zh-TW" altLang="en-US" smtClean="0"/>
-              <a:t>2025/1/15</a:t>
+              <a:t>2025/1/16</a:t>
             </a:fld>
             <a:endParaRPr kumimoji="1" lang="zh-TW" altLang="en-US"/>
           </a:p>
@@ -1819,7 +1819,7 @@
           <a:p>
             <a:fld id="{DF8642C6-F629-9546-9F33-7BA9CD620078}" type="datetimeFigureOut">
               <a:rPr kumimoji="1" lang="zh-TW" altLang="en-US" smtClean="0"/>
-              <a:t>2025/1/15</a:t>
+              <a:t>2025/1/16</a:t>
             </a:fld>
             <a:endParaRPr kumimoji="1" lang="zh-TW" altLang="en-US"/>
           </a:p>
@@ -2096,7 +2096,7 @@
           <a:p>
             <a:fld id="{DF8642C6-F629-9546-9F33-7BA9CD620078}" type="datetimeFigureOut">
               <a:rPr kumimoji="1" lang="zh-TW" altLang="en-US" smtClean="0"/>
-              <a:t>2025/1/15</a:t>
+              <a:t>2025/1/16</a:t>
             </a:fld>
             <a:endParaRPr kumimoji="1" lang="zh-TW" altLang="en-US"/>
           </a:p>
@@ -2353,7 +2353,7 @@
           <a:p>
             <a:fld id="{DF8642C6-F629-9546-9F33-7BA9CD620078}" type="datetimeFigureOut">
               <a:rPr kumimoji="1" lang="zh-TW" altLang="en-US" smtClean="0"/>
-              <a:t>2025/1/15</a:t>
+              <a:t>2025/1/16</a:t>
             </a:fld>
             <a:endParaRPr kumimoji="1" lang="zh-TW" altLang="en-US"/>
           </a:p>
@@ -2566,7 +2566,7 @@
           <a:p>
             <a:fld id="{DF8642C6-F629-9546-9F33-7BA9CD620078}" type="datetimeFigureOut">
               <a:rPr kumimoji="1" lang="zh-TW" altLang="en-US" smtClean="0"/>
-              <a:t>2025/1/15</a:t>
+              <a:t>2025/1/16</a:t>
             </a:fld>
             <a:endParaRPr kumimoji="1" lang="zh-TW" altLang="en-US"/>
           </a:p>
@@ -3170,7 +3170,7 @@
         <p:spPr>
           <a:xfrm>
             <a:off x="10943677" y="14150363"/>
-            <a:ext cx="9866805" cy="9941183"/>
+            <a:ext cx="9866805" cy="9325630"/>
           </a:xfrm>
           <a:prstGeom prst="rect">
             <a:avLst/>
@@ -3189,10 +3189,15 @@
                 <a:latin typeface="Times New Roman" panose="02020603050405020304" pitchFamily="18" charset="0"/>
                 <a:cs typeface="Times New Roman" panose="02020603050405020304" pitchFamily="18" charset="0"/>
               </a:rPr>
-              <a:t>V. Improvement</a:t>
-            </a:r>
-          </a:p>
-          <a:p>
+              <a:t>V. </a:t>
+            </a:r>
+            <a:r>
+              <a:rPr kumimoji="1" lang="en-US" altLang="zh-TW" sz="4000" dirty="0" smtClean="0">
+                <a:latin typeface="Times New Roman" panose="02020603050405020304" pitchFamily="18" charset="0"/>
+                <a:cs typeface="Times New Roman" panose="02020603050405020304" pitchFamily="18" charset="0"/>
+              </a:rPr>
+              <a:t>Future Work</a:t>
+            </a:r>
             <a:endParaRPr kumimoji="1" lang="en-US" altLang="zh-TW" sz="4000" dirty="0">
               <a:latin typeface="Times New Roman" panose="02020603050405020304" pitchFamily="18" charset="0"/>
               <a:cs typeface="Times New Roman" panose="02020603050405020304" pitchFamily="18" charset="0"/>
@@ -3204,8 +3209,19 @@
                 <a:latin typeface="Times New Roman" panose="02020603050405020304" pitchFamily="18" charset="0"/>
                 <a:cs typeface="Times New Roman" panose="02020603050405020304" pitchFamily="18" charset="0"/>
               </a:rPr>
-              <a:t>I. Aesthetics.</a:t>
-            </a:r>
+              <a:t>I. </a:t>
+            </a:r>
+            <a:r>
+              <a:rPr kumimoji="1" lang="en-US" altLang="zh-TW" sz="4000" dirty="0" smtClean="0">
+                <a:latin typeface="Times New Roman" panose="02020603050405020304" pitchFamily="18" charset="0"/>
+                <a:cs typeface="Times New Roman" panose="02020603050405020304" pitchFamily="18" charset="0"/>
+              </a:rPr>
+              <a:t>Professional.</a:t>
+            </a:r>
+            <a:endParaRPr kumimoji="1" lang="en-US" altLang="zh-TW" sz="4000" dirty="0">
+              <a:latin typeface="Times New Roman" panose="02020603050405020304" pitchFamily="18" charset="0"/>
+              <a:cs typeface="Times New Roman" panose="02020603050405020304" pitchFamily="18" charset="0"/>
+            </a:endParaRPr>
           </a:p>
           <a:p>
             <a:r>
@@ -3213,8 +3229,19 @@
                 <a:latin typeface="Times New Roman" panose="02020603050405020304" pitchFamily="18" charset="0"/>
                 <a:cs typeface="Times New Roman" panose="02020603050405020304" pitchFamily="18" charset="0"/>
               </a:rPr>
-              <a:t>II. Precise tools.</a:t>
-            </a:r>
+              <a:t>II. </a:t>
+            </a:r>
+            <a:r>
+              <a:rPr kumimoji="1" lang="en-US" altLang="zh-TW" sz="4000" dirty="0" smtClean="0">
+                <a:latin typeface="Times New Roman" panose="02020603050405020304" pitchFamily="18" charset="0"/>
+                <a:cs typeface="Times New Roman" panose="02020603050405020304" pitchFamily="18" charset="0"/>
+              </a:rPr>
+              <a:t>UI friendly.</a:t>
+            </a:r>
+            <a:endParaRPr kumimoji="1" lang="en-US" altLang="zh-TW" sz="4000" dirty="0">
+              <a:latin typeface="Times New Roman" panose="02020603050405020304" pitchFamily="18" charset="0"/>
+              <a:cs typeface="Times New Roman" panose="02020603050405020304" pitchFamily="18" charset="0"/>
+            </a:endParaRPr>
           </a:p>
           <a:p>
             <a:endParaRPr kumimoji="1" lang="en-US" altLang="zh-TW" sz="4000" dirty="0">

--- a/文件/文件原始碼/專題海報.pptx
+++ b/文件/文件原始碼/專題海報.pptx
@@ -243,7 +243,7 @@
           <a:p>
             <a:fld id="{DF8642C6-F629-9546-9F33-7BA9CD620078}" type="datetimeFigureOut">
               <a:rPr kumimoji="1" lang="zh-TW" altLang="en-US" smtClean="0"/>
-              <a:t>2025/1/16</a:t>
+              <a:t>2025/2/8</a:t>
             </a:fld>
             <a:endParaRPr kumimoji="1" lang="zh-TW" altLang="en-US"/>
           </a:p>
@@ -413,7 +413,7 @@
           <a:p>
             <a:fld id="{DF8642C6-F629-9546-9F33-7BA9CD620078}" type="datetimeFigureOut">
               <a:rPr kumimoji="1" lang="zh-TW" altLang="en-US" smtClean="0"/>
-              <a:t>2025/1/16</a:t>
+              <a:t>2025/2/8</a:t>
             </a:fld>
             <a:endParaRPr kumimoji="1" lang="zh-TW" altLang="en-US"/>
           </a:p>
@@ -593,7 +593,7 @@
           <a:p>
             <a:fld id="{DF8642C6-F629-9546-9F33-7BA9CD620078}" type="datetimeFigureOut">
               <a:rPr kumimoji="1" lang="zh-TW" altLang="en-US" smtClean="0"/>
-              <a:t>2025/1/16</a:t>
+              <a:t>2025/2/8</a:t>
             </a:fld>
             <a:endParaRPr kumimoji="1" lang="zh-TW" altLang="en-US"/>
           </a:p>
@@ -763,7 +763,7 @@
           <a:p>
             <a:fld id="{DF8642C6-F629-9546-9F33-7BA9CD620078}" type="datetimeFigureOut">
               <a:rPr kumimoji="1" lang="zh-TW" altLang="en-US" smtClean="0"/>
-              <a:t>2025/1/16</a:t>
+              <a:t>2025/2/8</a:t>
             </a:fld>
             <a:endParaRPr kumimoji="1" lang="zh-TW" altLang="en-US"/>
           </a:p>
@@ -1007,7 +1007,7 @@
           <a:p>
             <a:fld id="{DF8642C6-F629-9546-9F33-7BA9CD620078}" type="datetimeFigureOut">
               <a:rPr kumimoji="1" lang="zh-TW" altLang="en-US" smtClean="0"/>
-              <a:t>2025/1/16</a:t>
+              <a:t>2025/2/8</a:t>
             </a:fld>
             <a:endParaRPr kumimoji="1" lang="zh-TW" altLang="en-US"/>
           </a:p>
@@ -1239,7 +1239,7 @@
           <a:p>
             <a:fld id="{DF8642C6-F629-9546-9F33-7BA9CD620078}" type="datetimeFigureOut">
               <a:rPr kumimoji="1" lang="zh-TW" altLang="en-US" smtClean="0"/>
-              <a:t>2025/1/16</a:t>
+              <a:t>2025/2/8</a:t>
             </a:fld>
             <a:endParaRPr kumimoji="1" lang="zh-TW" altLang="en-US"/>
           </a:p>
@@ -1606,7 +1606,7 @@
           <a:p>
             <a:fld id="{DF8642C6-F629-9546-9F33-7BA9CD620078}" type="datetimeFigureOut">
               <a:rPr kumimoji="1" lang="zh-TW" altLang="en-US" smtClean="0"/>
-              <a:t>2025/1/16</a:t>
+              <a:t>2025/2/8</a:t>
             </a:fld>
             <a:endParaRPr kumimoji="1" lang="zh-TW" altLang="en-US"/>
           </a:p>
@@ -1724,7 +1724,7 @@
           <a:p>
             <a:fld id="{DF8642C6-F629-9546-9F33-7BA9CD620078}" type="datetimeFigureOut">
               <a:rPr kumimoji="1" lang="zh-TW" altLang="en-US" smtClean="0"/>
-              <a:t>2025/1/16</a:t>
+              <a:t>2025/2/8</a:t>
             </a:fld>
             <a:endParaRPr kumimoji="1" lang="zh-TW" altLang="en-US"/>
           </a:p>
@@ -1819,7 +1819,7 @@
           <a:p>
             <a:fld id="{DF8642C6-F629-9546-9F33-7BA9CD620078}" type="datetimeFigureOut">
               <a:rPr kumimoji="1" lang="zh-TW" altLang="en-US" smtClean="0"/>
-              <a:t>2025/1/16</a:t>
+              <a:t>2025/2/8</a:t>
             </a:fld>
             <a:endParaRPr kumimoji="1" lang="zh-TW" altLang="en-US"/>
           </a:p>
@@ -2096,7 +2096,7 @@
           <a:p>
             <a:fld id="{DF8642C6-F629-9546-9F33-7BA9CD620078}" type="datetimeFigureOut">
               <a:rPr kumimoji="1" lang="zh-TW" altLang="en-US" smtClean="0"/>
-              <a:t>2025/1/16</a:t>
+              <a:t>2025/2/8</a:t>
             </a:fld>
             <a:endParaRPr kumimoji="1" lang="zh-TW" altLang="en-US"/>
           </a:p>
@@ -2353,7 +2353,7 @@
           <a:p>
             <a:fld id="{DF8642C6-F629-9546-9F33-7BA9CD620078}" type="datetimeFigureOut">
               <a:rPr kumimoji="1" lang="zh-TW" altLang="en-US" smtClean="0"/>
-              <a:t>2025/1/16</a:t>
+              <a:t>2025/2/8</a:t>
             </a:fld>
             <a:endParaRPr kumimoji="1" lang="zh-TW" altLang="en-US"/>
           </a:p>
@@ -2566,7 +2566,7 @@
           <a:p>
             <a:fld id="{DF8642C6-F629-9546-9F33-7BA9CD620078}" type="datetimeFigureOut">
               <a:rPr kumimoji="1" lang="zh-TW" altLang="en-US" smtClean="0"/>
-              <a:t>2025/1/16</a:t>
+              <a:t>2025/2/8</a:t>
             </a:fld>
             <a:endParaRPr kumimoji="1" lang="zh-TW" altLang="en-US"/>
           </a:p>
@@ -3869,7 +3869,7 @@
       </p:pic>
       <p:pic>
         <p:nvPicPr>
-          <p:cNvPr id="6" name="圖片 5"/>
+          <p:cNvPr id="3" name="圖片 2"/>
           <p:cNvPicPr>
             <a:picLocks noChangeAspect="1"/>
           </p:cNvPicPr>
@@ -3889,8 +3889,8 @@
         </p:blipFill>
         <p:spPr>
           <a:xfrm>
-            <a:off x="10943677" y="6711868"/>
-            <a:ext cx="10058400" cy="4023360"/>
+            <a:off x="10847625" y="7080069"/>
+            <a:ext cx="10047493" cy="5406221"/>
           </a:xfrm>
           <a:prstGeom prst="rect">
             <a:avLst/>

--- a/文件/文件原始碼/專題海報.pptx
+++ b/文件/文件原始碼/專題海報.pptx
@@ -243,7 +243,7 @@
           <a:p>
             <a:fld id="{DF8642C6-F629-9546-9F33-7BA9CD620078}" type="datetimeFigureOut">
               <a:rPr kumimoji="1" lang="zh-TW" altLang="en-US" smtClean="0"/>
-              <a:t>2025/2/8</a:t>
+              <a:t>2025/3/22</a:t>
             </a:fld>
             <a:endParaRPr kumimoji="1" lang="zh-TW" altLang="en-US"/>
           </a:p>
@@ -413,7 +413,7 @@
           <a:p>
             <a:fld id="{DF8642C6-F629-9546-9F33-7BA9CD620078}" type="datetimeFigureOut">
               <a:rPr kumimoji="1" lang="zh-TW" altLang="en-US" smtClean="0"/>
-              <a:t>2025/2/8</a:t>
+              <a:t>2025/3/22</a:t>
             </a:fld>
             <a:endParaRPr kumimoji="1" lang="zh-TW" altLang="en-US"/>
           </a:p>
@@ -593,7 +593,7 @@
           <a:p>
             <a:fld id="{DF8642C6-F629-9546-9F33-7BA9CD620078}" type="datetimeFigureOut">
               <a:rPr kumimoji="1" lang="zh-TW" altLang="en-US" smtClean="0"/>
-              <a:t>2025/2/8</a:t>
+              <a:t>2025/3/22</a:t>
             </a:fld>
             <a:endParaRPr kumimoji="1" lang="zh-TW" altLang="en-US"/>
           </a:p>
@@ -763,7 +763,7 @@
           <a:p>
             <a:fld id="{DF8642C6-F629-9546-9F33-7BA9CD620078}" type="datetimeFigureOut">
               <a:rPr kumimoji="1" lang="zh-TW" altLang="en-US" smtClean="0"/>
-              <a:t>2025/2/8</a:t>
+              <a:t>2025/3/22</a:t>
             </a:fld>
             <a:endParaRPr kumimoji="1" lang="zh-TW" altLang="en-US"/>
           </a:p>
@@ -1007,7 +1007,7 @@
           <a:p>
             <a:fld id="{DF8642C6-F629-9546-9F33-7BA9CD620078}" type="datetimeFigureOut">
               <a:rPr kumimoji="1" lang="zh-TW" altLang="en-US" smtClean="0"/>
-              <a:t>2025/2/8</a:t>
+              <a:t>2025/3/22</a:t>
             </a:fld>
             <a:endParaRPr kumimoji="1" lang="zh-TW" altLang="en-US"/>
           </a:p>
@@ -1239,7 +1239,7 @@
           <a:p>
             <a:fld id="{DF8642C6-F629-9546-9F33-7BA9CD620078}" type="datetimeFigureOut">
               <a:rPr kumimoji="1" lang="zh-TW" altLang="en-US" smtClean="0"/>
-              <a:t>2025/2/8</a:t>
+              <a:t>2025/3/22</a:t>
             </a:fld>
             <a:endParaRPr kumimoji="1" lang="zh-TW" altLang="en-US"/>
           </a:p>
@@ -1606,7 +1606,7 @@
           <a:p>
             <a:fld id="{DF8642C6-F629-9546-9F33-7BA9CD620078}" type="datetimeFigureOut">
               <a:rPr kumimoji="1" lang="zh-TW" altLang="en-US" smtClean="0"/>
-              <a:t>2025/2/8</a:t>
+              <a:t>2025/3/22</a:t>
             </a:fld>
             <a:endParaRPr kumimoji="1" lang="zh-TW" altLang="en-US"/>
           </a:p>
@@ -1724,7 +1724,7 @@
           <a:p>
             <a:fld id="{DF8642C6-F629-9546-9F33-7BA9CD620078}" type="datetimeFigureOut">
               <a:rPr kumimoji="1" lang="zh-TW" altLang="en-US" smtClean="0"/>
-              <a:t>2025/2/8</a:t>
+              <a:t>2025/3/22</a:t>
             </a:fld>
             <a:endParaRPr kumimoji="1" lang="zh-TW" altLang="en-US"/>
           </a:p>
@@ -1819,7 +1819,7 @@
           <a:p>
             <a:fld id="{DF8642C6-F629-9546-9F33-7BA9CD620078}" type="datetimeFigureOut">
               <a:rPr kumimoji="1" lang="zh-TW" altLang="en-US" smtClean="0"/>
-              <a:t>2025/2/8</a:t>
+              <a:t>2025/3/22</a:t>
             </a:fld>
             <a:endParaRPr kumimoji="1" lang="zh-TW" altLang="en-US"/>
           </a:p>
@@ -2096,7 +2096,7 @@
           <a:p>
             <a:fld id="{DF8642C6-F629-9546-9F33-7BA9CD620078}" type="datetimeFigureOut">
               <a:rPr kumimoji="1" lang="zh-TW" altLang="en-US" smtClean="0"/>
-              <a:t>2025/2/8</a:t>
+              <a:t>2025/3/22</a:t>
             </a:fld>
             <a:endParaRPr kumimoji="1" lang="zh-TW" altLang="en-US"/>
           </a:p>
@@ -2353,7 +2353,7 @@
           <a:p>
             <a:fld id="{DF8642C6-F629-9546-9F33-7BA9CD620078}" type="datetimeFigureOut">
               <a:rPr kumimoji="1" lang="zh-TW" altLang="en-US" smtClean="0"/>
-              <a:t>2025/2/8</a:t>
+              <a:t>2025/3/22</a:t>
             </a:fld>
             <a:endParaRPr kumimoji="1" lang="zh-TW" altLang="en-US"/>
           </a:p>
@@ -2566,7 +2566,7 @@
           <a:p>
             <a:fld id="{DF8642C6-F629-9546-9F33-7BA9CD620078}" type="datetimeFigureOut">
               <a:rPr kumimoji="1" lang="zh-TW" altLang="en-US" smtClean="0"/>
-              <a:t>2025/2/8</a:t>
+              <a:t>2025/3/22</a:t>
             </a:fld>
             <a:endParaRPr kumimoji="1" lang="zh-TW" altLang="en-US"/>
           </a:p>
@@ -3169,7 +3169,7 @@
         </p:nvSpPr>
         <p:spPr>
           <a:xfrm>
-            <a:off x="10943677" y="14150363"/>
+            <a:off x="11105042" y="17807963"/>
             <a:ext cx="9866805" cy="9325630"/>
           </a:xfrm>
           <a:prstGeom prst="rect">
@@ -3189,19 +3189,8 @@
                 <a:latin typeface="Times New Roman" panose="02020603050405020304" pitchFamily="18" charset="0"/>
                 <a:cs typeface="Times New Roman" panose="02020603050405020304" pitchFamily="18" charset="0"/>
               </a:rPr>
-              <a:t>V. </a:t>
-            </a:r>
-            <a:r>
-              <a:rPr kumimoji="1" lang="en-US" altLang="zh-TW" sz="4000" dirty="0" smtClean="0">
-                <a:latin typeface="Times New Roman" panose="02020603050405020304" pitchFamily="18" charset="0"/>
-                <a:cs typeface="Times New Roman" panose="02020603050405020304" pitchFamily="18" charset="0"/>
-              </a:rPr>
-              <a:t>Future Work</a:t>
-            </a:r>
-            <a:endParaRPr kumimoji="1" lang="en-US" altLang="zh-TW" sz="4000" dirty="0">
-              <a:latin typeface="Times New Roman" panose="02020603050405020304" pitchFamily="18" charset="0"/>
-              <a:cs typeface="Times New Roman" panose="02020603050405020304" pitchFamily="18" charset="0"/>
-            </a:endParaRPr>
+              <a:t>V. Future Work</a:t>
+            </a:r>
           </a:p>
           <a:p>
             <a:r>
@@ -3209,19 +3198,8 @@
                 <a:latin typeface="Times New Roman" panose="02020603050405020304" pitchFamily="18" charset="0"/>
                 <a:cs typeface="Times New Roman" panose="02020603050405020304" pitchFamily="18" charset="0"/>
               </a:rPr>
-              <a:t>I. </a:t>
-            </a:r>
-            <a:r>
-              <a:rPr kumimoji="1" lang="en-US" altLang="zh-TW" sz="4000" dirty="0" smtClean="0">
-                <a:latin typeface="Times New Roman" panose="02020603050405020304" pitchFamily="18" charset="0"/>
-                <a:cs typeface="Times New Roman" panose="02020603050405020304" pitchFamily="18" charset="0"/>
-              </a:rPr>
-              <a:t>Professional.</a:t>
-            </a:r>
-            <a:endParaRPr kumimoji="1" lang="en-US" altLang="zh-TW" sz="4000" dirty="0">
-              <a:latin typeface="Times New Roman" panose="02020603050405020304" pitchFamily="18" charset="0"/>
-              <a:cs typeface="Times New Roman" panose="02020603050405020304" pitchFamily="18" charset="0"/>
-            </a:endParaRPr>
+              <a:t>I. Professional.</a:t>
+            </a:r>
           </a:p>
           <a:p>
             <a:r>
@@ -3229,19 +3207,8 @@
                 <a:latin typeface="Times New Roman" panose="02020603050405020304" pitchFamily="18" charset="0"/>
                 <a:cs typeface="Times New Roman" panose="02020603050405020304" pitchFamily="18" charset="0"/>
               </a:rPr>
-              <a:t>II. </a:t>
-            </a:r>
-            <a:r>
-              <a:rPr kumimoji="1" lang="en-US" altLang="zh-TW" sz="4000" dirty="0" smtClean="0">
-                <a:latin typeface="Times New Roman" panose="02020603050405020304" pitchFamily="18" charset="0"/>
-                <a:cs typeface="Times New Roman" panose="02020603050405020304" pitchFamily="18" charset="0"/>
-              </a:rPr>
-              <a:t>UI friendly.</a:t>
-            </a:r>
-            <a:endParaRPr kumimoji="1" lang="en-US" altLang="zh-TW" sz="4000" dirty="0">
-              <a:latin typeface="Times New Roman" panose="02020603050405020304" pitchFamily="18" charset="0"/>
-              <a:cs typeface="Times New Roman" panose="02020603050405020304" pitchFamily="18" charset="0"/>
-            </a:endParaRPr>
+              <a:t>II. UI friendly.</a:t>
+            </a:r>
           </a:p>
           <a:p>
             <a:endParaRPr kumimoji="1" lang="en-US" altLang="zh-TW" sz="4000" dirty="0">
@@ -3700,59 +3667,6 @@
       </p:pic>
       <p:sp>
         <p:nvSpPr>
-          <p:cNvPr id="11" name="文字方塊 10">
-            <a:extLst>
-              <a:ext uri="{FF2B5EF4-FFF2-40B4-BE49-F238E27FC236}">
-                <a16:creationId xmlns:a16="http://schemas.microsoft.com/office/drawing/2014/main" id="{CABA5DAD-BDCF-4058-F4E1-E60BCB7722BF}"/>
-              </a:ext>
-            </a:extLst>
-          </p:cNvPr>
-          <p:cNvSpPr txBox="1"/>
-          <p:nvPr/>
-        </p:nvSpPr>
-        <p:spPr>
-          <a:xfrm>
-            <a:off x="9986668" y="24374278"/>
-            <a:ext cx="10878206" cy="1323439"/>
-          </a:xfrm>
-          <a:prstGeom prst="rect">
-            <a:avLst/>
-          </a:prstGeom>
-          <a:noFill/>
-        </p:spPr>
-        <p:txBody>
-          <a:bodyPr wrap="square" rtlCol="0">
-            <a:spAutoFit/>
-          </a:bodyPr>
-          <a:lstStyle/>
-          <a:p>
-            <a:pPr algn="ctr"/>
-            <a:r>
-              <a:rPr kumimoji="1" lang="en-US" altLang="zh-TW" sz="4000" dirty="0">
-                <a:latin typeface="Times New Roman" panose="02020603050405020304" pitchFamily="18" charset="0"/>
-                <a:cs typeface="Times New Roman" panose="02020603050405020304" pitchFamily="18" charset="0"/>
-              </a:rPr>
-              <a:t>Wanna more information ?</a:t>
-            </a:r>
-          </a:p>
-          <a:p>
-            <a:pPr algn="ctr"/>
-            <a:r>
-              <a:rPr kumimoji="1" lang="en-US" altLang="zh-TW" sz="4000" dirty="0">
-                <a:latin typeface="Times New Roman" panose="02020603050405020304" pitchFamily="18" charset="0"/>
-                <a:cs typeface="Times New Roman" panose="02020603050405020304" pitchFamily="18" charset="0"/>
-              </a:rPr>
-              <a:t>Using phone to scanning our official website.</a:t>
-            </a:r>
-            <a:endParaRPr kumimoji="1" lang="zh-TW" altLang="en-US" sz="4000" dirty="0">
-              <a:latin typeface="Times New Roman" panose="02020603050405020304" pitchFamily="18" charset="0"/>
-              <a:cs typeface="Times New Roman" panose="02020603050405020304" pitchFamily="18" charset="0"/>
-            </a:endParaRPr>
-          </a:p>
-        </p:txBody>
-      </p:sp>
-      <p:sp>
-        <p:nvSpPr>
           <p:cNvPr id="12" name="文字方塊 11">
             <a:extLst>
               <a:ext uri="{FF2B5EF4-FFF2-40B4-BE49-F238E27FC236}">
@@ -3839,36 +3753,6 @@
       </p:sp>
       <p:pic>
         <p:nvPicPr>
-          <p:cNvPr id="18" name="圖片 17">
-            <a:extLst>
-              <a:ext uri="{FF2B5EF4-FFF2-40B4-BE49-F238E27FC236}">
-                <a16:creationId xmlns:a16="http://schemas.microsoft.com/office/drawing/2014/main" id="{263B15EB-A931-3057-C3B0-08697996CCA7}"/>
-              </a:ext>
-            </a:extLst>
-          </p:cNvPr>
-          <p:cNvPicPr>
-            <a:picLocks noChangeAspect="1"/>
-          </p:cNvPicPr>
-          <p:nvPr/>
-        </p:nvPicPr>
-        <p:blipFill>
-          <a:blip r:embed="rId3"/>
-          <a:stretch>
-            <a:fillRect/>
-          </a:stretch>
-        </p:blipFill>
-        <p:spPr>
-          <a:xfrm>
-            <a:off x="14266575" y="25995047"/>
-            <a:ext cx="2606535" cy="2606535"/>
-          </a:xfrm>
-          <a:prstGeom prst="rect">
-            <a:avLst/>
-          </a:prstGeom>
-        </p:spPr>
-      </p:pic>
-      <p:pic>
-        <p:nvPicPr>
           <p:cNvPr id="3" name="圖片 2"/>
           <p:cNvPicPr>
             <a:picLocks noChangeAspect="1"/>
@@ -3876,7 +3760,7 @@
           <p:nvPr/>
         </p:nvPicPr>
         <p:blipFill>
-          <a:blip r:embed="rId4">
+          <a:blip r:embed="rId3">
             <a:extLst>
               <a:ext uri="{28A0092B-C50C-407E-A947-70E740481C1C}">
                 <a14:useLocalDpi xmlns:a14="http://schemas.microsoft.com/office/drawing/2010/main" val="0"/>

--- a/文件/文件原始碼/專題海報.pptx
+++ b/文件/文件原始碼/專題海報.pptx
@@ -243,7 +243,7 @@
           <a:p>
             <a:fld id="{DF8642C6-F629-9546-9F33-7BA9CD620078}" type="datetimeFigureOut">
               <a:rPr kumimoji="1" lang="zh-TW" altLang="en-US" smtClean="0"/>
-              <a:t>2025/3/22</a:t>
+              <a:t>2025/4/12</a:t>
             </a:fld>
             <a:endParaRPr kumimoji="1" lang="zh-TW" altLang="en-US"/>
           </a:p>
@@ -413,7 +413,7 @@
           <a:p>
             <a:fld id="{DF8642C6-F629-9546-9F33-7BA9CD620078}" type="datetimeFigureOut">
               <a:rPr kumimoji="1" lang="zh-TW" altLang="en-US" smtClean="0"/>
-              <a:t>2025/3/22</a:t>
+              <a:t>2025/4/12</a:t>
             </a:fld>
             <a:endParaRPr kumimoji="1" lang="zh-TW" altLang="en-US"/>
           </a:p>
@@ -593,7 +593,7 @@
           <a:p>
             <a:fld id="{DF8642C6-F629-9546-9F33-7BA9CD620078}" type="datetimeFigureOut">
               <a:rPr kumimoji="1" lang="zh-TW" altLang="en-US" smtClean="0"/>
-              <a:t>2025/3/22</a:t>
+              <a:t>2025/4/12</a:t>
             </a:fld>
             <a:endParaRPr kumimoji="1" lang="zh-TW" altLang="en-US"/>
           </a:p>
@@ -763,7 +763,7 @@
           <a:p>
             <a:fld id="{DF8642C6-F629-9546-9F33-7BA9CD620078}" type="datetimeFigureOut">
               <a:rPr kumimoji="1" lang="zh-TW" altLang="en-US" smtClean="0"/>
-              <a:t>2025/3/22</a:t>
+              <a:t>2025/4/12</a:t>
             </a:fld>
             <a:endParaRPr kumimoji="1" lang="zh-TW" altLang="en-US"/>
           </a:p>
@@ -1007,7 +1007,7 @@
           <a:p>
             <a:fld id="{DF8642C6-F629-9546-9F33-7BA9CD620078}" type="datetimeFigureOut">
               <a:rPr kumimoji="1" lang="zh-TW" altLang="en-US" smtClean="0"/>
-              <a:t>2025/3/22</a:t>
+              <a:t>2025/4/12</a:t>
             </a:fld>
             <a:endParaRPr kumimoji="1" lang="zh-TW" altLang="en-US"/>
           </a:p>
@@ -1239,7 +1239,7 @@
           <a:p>
             <a:fld id="{DF8642C6-F629-9546-9F33-7BA9CD620078}" type="datetimeFigureOut">
               <a:rPr kumimoji="1" lang="zh-TW" altLang="en-US" smtClean="0"/>
-              <a:t>2025/3/22</a:t>
+              <a:t>2025/4/12</a:t>
             </a:fld>
             <a:endParaRPr kumimoji="1" lang="zh-TW" altLang="en-US"/>
           </a:p>
@@ -1606,7 +1606,7 @@
           <a:p>
             <a:fld id="{DF8642C6-F629-9546-9F33-7BA9CD620078}" type="datetimeFigureOut">
               <a:rPr kumimoji="1" lang="zh-TW" altLang="en-US" smtClean="0"/>
-              <a:t>2025/3/22</a:t>
+              <a:t>2025/4/12</a:t>
             </a:fld>
             <a:endParaRPr kumimoji="1" lang="zh-TW" altLang="en-US"/>
           </a:p>
@@ -1724,7 +1724,7 @@
           <a:p>
             <a:fld id="{DF8642C6-F629-9546-9F33-7BA9CD620078}" type="datetimeFigureOut">
               <a:rPr kumimoji="1" lang="zh-TW" altLang="en-US" smtClean="0"/>
-              <a:t>2025/3/22</a:t>
+              <a:t>2025/4/12</a:t>
             </a:fld>
             <a:endParaRPr kumimoji="1" lang="zh-TW" altLang="en-US"/>
           </a:p>
@@ -1819,7 +1819,7 @@
           <a:p>
             <a:fld id="{DF8642C6-F629-9546-9F33-7BA9CD620078}" type="datetimeFigureOut">
               <a:rPr kumimoji="1" lang="zh-TW" altLang="en-US" smtClean="0"/>
-              <a:t>2025/3/22</a:t>
+              <a:t>2025/4/12</a:t>
             </a:fld>
             <a:endParaRPr kumimoji="1" lang="zh-TW" altLang="en-US"/>
           </a:p>
@@ -2096,7 +2096,7 @@
           <a:p>
             <a:fld id="{DF8642C6-F629-9546-9F33-7BA9CD620078}" type="datetimeFigureOut">
               <a:rPr kumimoji="1" lang="zh-TW" altLang="en-US" smtClean="0"/>
-              <a:t>2025/3/22</a:t>
+              <a:t>2025/4/12</a:t>
             </a:fld>
             <a:endParaRPr kumimoji="1" lang="zh-TW" altLang="en-US"/>
           </a:p>
@@ -2353,7 +2353,7 @@
           <a:p>
             <a:fld id="{DF8642C6-F629-9546-9F33-7BA9CD620078}" type="datetimeFigureOut">
               <a:rPr kumimoji="1" lang="zh-TW" altLang="en-US" smtClean="0"/>
-              <a:t>2025/3/22</a:t>
+              <a:t>2025/4/12</a:t>
             </a:fld>
             <a:endParaRPr kumimoji="1" lang="zh-TW" altLang="en-US"/>
           </a:p>
@@ -2566,7 +2566,7 @@
           <a:p>
             <a:fld id="{DF8642C6-F629-9546-9F33-7BA9CD620078}" type="datetimeFigureOut">
               <a:rPr kumimoji="1" lang="zh-TW" altLang="en-US" smtClean="0"/>
-              <a:t>2025/3/22</a:t>
+              <a:t>2025/4/12</a:t>
             </a:fld>
             <a:endParaRPr kumimoji="1" lang="zh-TW" altLang="en-US"/>
           </a:p>
@@ -3753,19 +3753,51 @@
       </p:sp>
       <p:pic>
         <p:nvPicPr>
-          <p:cNvPr id="3" name="圖片 2"/>
+          <p:cNvPr id="6" name="圖片 5">
+            <a:extLst>
+              <a:ext uri="{FF2B5EF4-FFF2-40B4-BE49-F238E27FC236}">
+                <a16:creationId xmlns:a16="http://schemas.microsoft.com/office/drawing/2014/main" id="{35BB883C-681F-A6A9-0EB9-2DAC44BD2C97}"/>
+              </a:ext>
+            </a:extLst>
+          </p:cNvPr>
           <p:cNvPicPr>
             <a:picLocks noChangeAspect="1"/>
           </p:cNvPicPr>
           <p:nvPr/>
         </p:nvPicPr>
         <p:blipFill>
-          <a:blip r:embed="rId3">
+          <a:blip r:embed="rId3"/>
+          <a:stretch>
+            <a:fillRect/>
+          </a:stretch>
+        </p:blipFill>
+        <p:spPr>
+          <a:xfrm>
+            <a:off x="10959152" y="8105007"/>
+            <a:ext cx="10031465" cy="5708964"/>
+          </a:xfrm>
+          <a:prstGeom prst="rect">
+            <a:avLst/>
+          </a:prstGeom>
+        </p:spPr>
+      </p:pic>
+      <p:pic>
+        <p:nvPicPr>
+          <p:cNvPr id="18" name="圖片 17">
             <a:extLst>
-              <a:ext uri="{28A0092B-C50C-407E-A947-70E740481C1C}">
-                <a14:useLocalDpi xmlns:a14="http://schemas.microsoft.com/office/drawing/2010/main" val="0"/>
+              <a:ext uri="{FF2B5EF4-FFF2-40B4-BE49-F238E27FC236}">
+                <a16:creationId xmlns:a16="http://schemas.microsoft.com/office/drawing/2014/main" id="{ED0E4EE9-5F67-704D-8F27-76FC95EC79AD}"/>
               </a:ext>
             </a:extLst>
+          </p:cNvPr>
+          <p:cNvPicPr>
+            <a:picLocks noChangeAspect="1"/>
+          </p:cNvPicPr>
+          <p:nvPr/>
+        </p:nvPicPr>
+        <p:blipFill>
+          <a:blip r:embed="rId4">
+            <a:alphaModFix amt="35000"/>
           </a:blip>
           <a:stretch>
             <a:fillRect/>
@@ -3773,8 +3805,8 @@
         </p:blipFill>
         <p:spPr>
           <a:xfrm>
-            <a:off x="10847625" y="7080069"/>
-            <a:ext cx="10047493" cy="5406221"/>
+            <a:off x="19719138" y="28411714"/>
+            <a:ext cx="1664487" cy="1581263"/>
           </a:xfrm>
           <a:prstGeom prst="rect">
             <a:avLst/>

--- a/文件/文件原始碼/專題海報.pptx
+++ b/文件/文件原始碼/專題海報.pptx
@@ -243,7 +243,7 @@
           <a:p>
             <a:fld id="{DF8642C6-F629-9546-9F33-7BA9CD620078}" type="datetimeFigureOut">
               <a:rPr kumimoji="1" lang="zh-TW" altLang="en-US" smtClean="0"/>
-              <a:t>2025/4/12</a:t>
+              <a:t>2025/8/13</a:t>
             </a:fld>
             <a:endParaRPr kumimoji="1" lang="zh-TW" altLang="en-US"/>
           </a:p>
@@ -413,7 +413,7 @@
           <a:p>
             <a:fld id="{DF8642C6-F629-9546-9F33-7BA9CD620078}" type="datetimeFigureOut">
               <a:rPr kumimoji="1" lang="zh-TW" altLang="en-US" smtClean="0"/>
-              <a:t>2025/4/12</a:t>
+              <a:t>2025/8/13</a:t>
             </a:fld>
             <a:endParaRPr kumimoji="1" lang="zh-TW" altLang="en-US"/>
           </a:p>
@@ -593,7 +593,7 @@
           <a:p>
             <a:fld id="{DF8642C6-F629-9546-9F33-7BA9CD620078}" type="datetimeFigureOut">
               <a:rPr kumimoji="1" lang="zh-TW" altLang="en-US" smtClean="0"/>
-              <a:t>2025/4/12</a:t>
+              <a:t>2025/8/13</a:t>
             </a:fld>
             <a:endParaRPr kumimoji="1" lang="zh-TW" altLang="en-US"/>
           </a:p>
@@ -763,7 +763,7 @@
           <a:p>
             <a:fld id="{DF8642C6-F629-9546-9F33-7BA9CD620078}" type="datetimeFigureOut">
               <a:rPr kumimoji="1" lang="zh-TW" altLang="en-US" smtClean="0"/>
-              <a:t>2025/4/12</a:t>
+              <a:t>2025/8/13</a:t>
             </a:fld>
             <a:endParaRPr kumimoji="1" lang="zh-TW" altLang="en-US"/>
           </a:p>
@@ -1007,7 +1007,7 @@
           <a:p>
             <a:fld id="{DF8642C6-F629-9546-9F33-7BA9CD620078}" type="datetimeFigureOut">
               <a:rPr kumimoji="1" lang="zh-TW" altLang="en-US" smtClean="0"/>
-              <a:t>2025/4/12</a:t>
+              <a:t>2025/8/13</a:t>
             </a:fld>
             <a:endParaRPr kumimoji="1" lang="zh-TW" altLang="en-US"/>
           </a:p>
@@ -1239,7 +1239,7 @@
           <a:p>
             <a:fld id="{DF8642C6-F629-9546-9F33-7BA9CD620078}" type="datetimeFigureOut">
               <a:rPr kumimoji="1" lang="zh-TW" altLang="en-US" smtClean="0"/>
-              <a:t>2025/4/12</a:t>
+              <a:t>2025/8/13</a:t>
             </a:fld>
             <a:endParaRPr kumimoji="1" lang="zh-TW" altLang="en-US"/>
           </a:p>
@@ -1606,7 +1606,7 @@
           <a:p>
             <a:fld id="{DF8642C6-F629-9546-9F33-7BA9CD620078}" type="datetimeFigureOut">
               <a:rPr kumimoji="1" lang="zh-TW" altLang="en-US" smtClean="0"/>
-              <a:t>2025/4/12</a:t>
+              <a:t>2025/8/13</a:t>
             </a:fld>
             <a:endParaRPr kumimoji="1" lang="zh-TW" altLang="en-US"/>
           </a:p>
@@ -1724,7 +1724,7 @@
           <a:p>
             <a:fld id="{DF8642C6-F629-9546-9F33-7BA9CD620078}" type="datetimeFigureOut">
               <a:rPr kumimoji="1" lang="zh-TW" altLang="en-US" smtClean="0"/>
-              <a:t>2025/4/12</a:t>
+              <a:t>2025/8/13</a:t>
             </a:fld>
             <a:endParaRPr kumimoji="1" lang="zh-TW" altLang="en-US"/>
           </a:p>
@@ -1819,7 +1819,7 @@
           <a:p>
             <a:fld id="{DF8642C6-F629-9546-9F33-7BA9CD620078}" type="datetimeFigureOut">
               <a:rPr kumimoji="1" lang="zh-TW" altLang="en-US" smtClean="0"/>
-              <a:t>2025/4/12</a:t>
+              <a:t>2025/8/13</a:t>
             </a:fld>
             <a:endParaRPr kumimoji="1" lang="zh-TW" altLang="en-US"/>
           </a:p>
@@ -2096,7 +2096,7 @@
           <a:p>
             <a:fld id="{DF8642C6-F629-9546-9F33-7BA9CD620078}" type="datetimeFigureOut">
               <a:rPr kumimoji="1" lang="zh-TW" altLang="en-US" smtClean="0"/>
-              <a:t>2025/4/12</a:t>
+              <a:t>2025/8/13</a:t>
             </a:fld>
             <a:endParaRPr kumimoji="1" lang="zh-TW" altLang="en-US"/>
           </a:p>
@@ -2353,7 +2353,7 @@
           <a:p>
             <a:fld id="{DF8642C6-F629-9546-9F33-7BA9CD620078}" type="datetimeFigureOut">
               <a:rPr kumimoji="1" lang="zh-TW" altLang="en-US" smtClean="0"/>
-              <a:t>2025/4/12</a:t>
+              <a:t>2025/8/13</a:t>
             </a:fld>
             <a:endParaRPr kumimoji="1" lang="zh-TW" altLang="en-US"/>
           </a:p>
@@ -2566,7 +2566,7 @@
           <a:p>
             <a:fld id="{DF8642C6-F629-9546-9F33-7BA9CD620078}" type="datetimeFigureOut">
               <a:rPr kumimoji="1" lang="zh-TW" altLang="en-US" smtClean="0"/>
-              <a:t>2025/4/12</a:t>
+              <a:t>2025/8/13</a:t>
             </a:fld>
             <a:endParaRPr kumimoji="1" lang="zh-TW" altLang="en-US"/>
           </a:p>
@@ -3635,36 +3635,6 @@
           </a:p>
         </p:txBody>
       </p:sp>
-      <p:pic>
-        <p:nvPicPr>
-          <p:cNvPr id="5" name="圖片 4">
-            <a:extLst>
-              <a:ext uri="{FF2B5EF4-FFF2-40B4-BE49-F238E27FC236}">
-                <a16:creationId xmlns:a16="http://schemas.microsoft.com/office/drawing/2014/main" id="{F40ABE18-8DBC-A59F-5091-55571119A85A}"/>
-              </a:ext>
-            </a:extLst>
-          </p:cNvPr>
-          <p:cNvPicPr>
-            <a:picLocks noChangeAspect="1"/>
-          </p:cNvPicPr>
-          <p:nvPr/>
-        </p:nvPicPr>
-        <p:blipFill>
-          <a:blip r:embed="rId2"/>
-          <a:stretch>
-            <a:fillRect/>
-          </a:stretch>
-        </p:blipFill>
-        <p:spPr>
-          <a:xfrm>
-            <a:off x="1606775" y="19469212"/>
-            <a:ext cx="8712881" cy="8857693"/>
-          </a:xfrm>
-          <a:prstGeom prst="rect">
-            <a:avLst/>
-          </a:prstGeom>
-        </p:spPr>
-      </p:pic>
       <p:sp>
         <p:nvSpPr>
           <p:cNvPr id="12" name="文字方塊 11">
@@ -3753,10 +3723,42 @@
       </p:sp>
       <p:pic>
         <p:nvPicPr>
-          <p:cNvPr id="6" name="圖片 5">
+          <p:cNvPr id="18" name="圖片 17">
             <a:extLst>
               <a:ext uri="{FF2B5EF4-FFF2-40B4-BE49-F238E27FC236}">
-                <a16:creationId xmlns:a16="http://schemas.microsoft.com/office/drawing/2014/main" id="{35BB883C-681F-A6A9-0EB9-2DAC44BD2C97}"/>
+                <a16:creationId xmlns:a16="http://schemas.microsoft.com/office/drawing/2014/main" id="{ED0E4EE9-5F67-704D-8F27-76FC95EC79AD}"/>
+              </a:ext>
+            </a:extLst>
+          </p:cNvPr>
+          <p:cNvPicPr>
+            <a:picLocks noChangeAspect="1"/>
+          </p:cNvPicPr>
+          <p:nvPr/>
+        </p:nvPicPr>
+        <p:blipFill>
+          <a:blip r:embed="rId2">
+            <a:alphaModFix amt="35000"/>
+          </a:blip>
+          <a:stretch>
+            <a:fillRect/>
+          </a:stretch>
+        </p:blipFill>
+        <p:spPr>
+          <a:xfrm>
+            <a:off x="19719138" y="28411714"/>
+            <a:ext cx="1664487" cy="1581263"/>
+          </a:xfrm>
+          <a:prstGeom prst="rect">
+            <a:avLst/>
+          </a:prstGeom>
+        </p:spPr>
+      </p:pic>
+      <p:pic>
+        <p:nvPicPr>
+          <p:cNvPr id="3" name="圖片 2">
+            <a:extLst>
+              <a:ext uri="{FF2B5EF4-FFF2-40B4-BE49-F238E27FC236}">
+                <a16:creationId xmlns:a16="http://schemas.microsoft.com/office/drawing/2014/main" id="{06E85F1A-40FB-4780-5B0F-08A3286500A0}"/>
               </a:ext>
             </a:extLst>
           </p:cNvPr>
@@ -3773,8 +3775,8 @@
         </p:blipFill>
         <p:spPr>
           <a:xfrm>
-            <a:off x="10959152" y="8105007"/>
-            <a:ext cx="10031465" cy="5708964"/>
+            <a:off x="11188441" y="7277488"/>
+            <a:ext cx="9444262" cy="5566643"/>
           </a:xfrm>
           <a:prstGeom prst="rect">
             <a:avLst/>
@@ -3783,10 +3785,10 @@
       </p:pic>
       <p:pic>
         <p:nvPicPr>
-          <p:cNvPr id="18" name="圖片 17">
+          <p:cNvPr id="22" name="圖片 21">
             <a:extLst>
               <a:ext uri="{FF2B5EF4-FFF2-40B4-BE49-F238E27FC236}">
-                <a16:creationId xmlns:a16="http://schemas.microsoft.com/office/drawing/2014/main" id="{ED0E4EE9-5F67-704D-8F27-76FC95EC79AD}"/>
+                <a16:creationId xmlns:a16="http://schemas.microsoft.com/office/drawing/2014/main" id="{C5EE5A3B-064C-49D5-E1BD-B115A517C8C2}"/>
               </a:ext>
             </a:extLst>
           </p:cNvPr>
@@ -3796,17 +3798,15 @@
           <p:nvPr/>
         </p:nvPicPr>
         <p:blipFill>
-          <a:blip r:embed="rId4">
-            <a:alphaModFix amt="35000"/>
-          </a:blip>
+          <a:blip r:embed="rId4"/>
           <a:stretch>
             <a:fillRect/>
           </a:stretch>
         </p:blipFill>
         <p:spPr>
           <a:xfrm>
-            <a:off x="19719138" y="28411714"/>
-            <a:ext cx="1664487" cy="1581263"/>
+            <a:off x="2436220" y="19664417"/>
+            <a:ext cx="7005491" cy="8184300"/>
           </a:xfrm>
           <a:prstGeom prst="rect">
             <a:avLst/>
